--- a/thesis/abs/DangThaiBaoSlideBaoCaoCSN.pptx
+++ b/thesis/abs/DangThaiBaoSlideBaoCaoCSN.pptx
@@ -280,7 +280,7 @@
           <a:p>
             <a:fld id="{F523F3A2-7671-46B4-A946-9ABC7EF0E8E5}" type="datetimeFigureOut">
               <a:rPr lang="en-US" smtClean="0"/>
-              <a:t>1/12/2026</a:t>
+              <a:t>1/13/2026</a:t>
             </a:fld>
             <a:endParaRPr lang="en-US"/>
           </a:p>
@@ -478,7 +478,7 @@
           <a:p>
             <a:fld id="{F523F3A2-7671-46B4-A946-9ABC7EF0E8E5}" type="datetimeFigureOut">
               <a:rPr lang="en-US" smtClean="0"/>
-              <a:t>1/12/2026</a:t>
+              <a:t>1/13/2026</a:t>
             </a:fld>
             <a:endParaRPr lang="en-US"/>
           </a:p>
@@ -686,7 +686,7 @@
           <a:p>
             <a:fld id="{F523F3A2-7671-46B4-A946-9ABC7EF0E8E5}" type="datetimeFigureOut">
               <a:rPr lang="en-US" smtClean="0"/>
-              <a:t>1/12/2026</a:t>
+              <a:t>1/13/2026</a:t>
             </a:fld>
             <a:endParaRPr lang="en-US"/>
           </a:p>
@@ -884,7 +884,7 @@
           <a:p>
             <a:fld id="{F523F3A2-7671-46B4-A946-9ABC7EF0E8E5}" type="datetimeFigureOut">
               <a:rPr lang="en-US" smtClean="0"/>
-              <a:t>1/12/2026</a:t>
+              <a:t>1/13/2026</a:t>
             </a:fld>
             <a:endParaRPr lang="en-US"/>
           </a:p>
@@ -1159,7 +1159,7 @@
           <a:p>
             <a:fld id="{F523F3A2-7671-46B4-A946-9ABC7EF0E8E5}" type="datetimeFigureOut">
               <a:rPr lang="en-US" smtClean="0"/>
-              <a:t>1/12/2026</a:t>
+              <a:t>1/13/2026</a:t>
             </a:fld>
             <a:endParaRPr lang="en-US"/>
           </a:p>
@@ -1424,7 +1424,7 @@
           <a:p>
             <a:fld id="{F523F3A2-7671-46B4-A946-9ABC7EF0E8E5}" type="datetimeFigureOut">
               <a:rPr lang="en-US" smtClean="0"/>
-              <a:t>1/12/2026</a:t>
+              <a:t>1/13/2026</a:t>
             </a:fld>
             <a:endParaRPr lang="en-US"/>
           </a:p>
@@ -1836,7 +1836,7 @@
           <a:p>
             <a:fld id="{F523F3A2-7671-46B4-A946-9ABC7EF0E8E5}" type="datetimeFigureOut">
               <a:rPr lang="en-US" smtClean="0"/>
-              <a:t>1/12/2026</a:t>
+              <a:t>1/13/2026</a:t>
             </a:fld>
             <a:endParaRPr lang="en-US"/>
           </a:p>
@@ -1977,7 +1977,7 @@
           <a:p>
             <a:fld id="{F523F3A2-7671-46B4-A946-9ABC7EF0E8E5}" type="datetimeFigureOut">
               <a:rPr lang="en-US" smtClean="0"/>
-              <a:t>1/12/2026</a:t>
+              <a:t>1/13/2026</a:t>
             </a:fld>
             <a:endParaRPr lang="en-US"/>
           </a:p>
@@ -2090,7 +2090,7 @@
           <a:p>
             <a:fld id="{F523F3A2-7671-46B4-A946-9ABC7EF0E8E5}" type="datetimeFigureOut">
               <a:rPr lang="en-US" smtClean="0"/>
-              <a:t>1/12/2026</a:t>
+              <a:t>1/13/2026</a:t>
             </a:fld>
             <a:endParaRPr lang="en-US"/>
           </a:p>
@@ -2401,7 +2401,7 @@
           <a:p>
             <a:fld id="{F523F3A2-7671-46B4-A946-9ABC7EF0E8E5}" type="datetimeFigureOut">
               <a:rPr lang="en-US" smtClean="0"/>
-              <a:t>1/12/2026</a:t>
+              <a:t>1/13/2026</a:t>
             </a:fld>
             <a:endParaRPr lang="en-US"/>
           </a:p>
@@ -2689,7 +2689,7 @@
           <a:p>
             <a:fld id="{F523F3A2-7671-46B4-A946-9ABC7EF0E8E5}" type="datetimeFigureOut">
               <a:rPr lang="en-US" smtClean="0"/>
-              <a:t>1/12/2026</a:t>
+              <a:t>1/13/2026</a:t>
             </a:fld>
             <a:endParaRPr lang="en-US"/>
           </a:p>
@@ -2930,7 +2930,7 @@
           <a:p>
             <a:fld id="{F523F3A2-7671-46B4-A946-9ABC7EF0E8E5}" type="datetimeFigureOut">
               <a:rPr lang="en-US" smtClean="0"/>
-              <a:t>1/12/2026</a:t>
+              <a:t>1/13/2026</a:t>
             </a:fld>
             <a:endParaRPr lang="en-US"/>
           </a:p>
@@ -3606,7 +3606,13 @@
           <a:p>
             <a:pPr algn="ctr"/>
             <a:r>
-              <a:rPr lang="en-US" sz="3200" dirty="0"/>
+              <a:rPr lang="en-US" sz="3200" dirty="0">
+                <a:solidFill>
+                  <a:srgbClr val="FF0000"/>
+                </a:solidFill>
+                <a:latin typeface="Arial" panose="020B0604020202020204" pitchFamily="34" charset="0"/>
+                <a:cs typeface="Arial" panose="020B0604020202020204" pitchFamily="34" charset="0"/>
+              </a:rPr>
               <a:t>XÂY DỰNG WEBSITE GIỚI THIỆU CÁC SẢN PHẨM OCOP TRONG TỈNH VĨNH LONG</a:t>
             </a:r>
           </a:p>
@@ -3707,12 +3713,19 @@
             </a:pPr>
             <a:r>
               <a:rPr lang="vi-VN" dirty="0">
+                <a:solidFill>
+                  <a:srgbClr val="FF0000"/>
+                </a:solidFill>
                 <a:latin typeface="Arial" panose="020B0604020202020204" pitchFamily="34" charset="0"/>
                 <a:cs typeface="Arial" panose="020B0604020202020204" pitchFamily="34" charset="0"/>
               </a:rPr>
               <a:t>HIỆN THỰC HÓA NGHIÊN CỨU</a:t>
             </a:r>
-            <a:endParaRPr lang="en-US" dirty="0"/>
+            <a:endParaRPr lang="en-US" dirty="0">
+              <a:solidFill>
+                <a:srgbClr val="FF0000"/>
+              </a:solidFill>
+            </a:endParaRPr>
           </a:p>
         </p:txBody>
       </p:sp>
@@ -3909,12 +3922,19 @@
             </a:pPr>
             <a:r>
               <a:rPr lang="vi-VN" dirty="0">
+                <a:solidFill>
+                  <a:srgbClr val="FF0000"/>
+                </a:solidFill>
                 <a:latin typeface="Arial" panose="020B0604020202020204" pitchFamily="34" charset="0"/>
                 <a:cs typeface="Arial" panose="020B0604020202020204" pitchFamily="34" charset="0"/>
               </a:rPr>
               <a:t>HIỆN THỰC HÓA NGHIÊN CỨU</a:t>
             </a:r>
-            <a:endParaRPr lang="en-US" dirty="0"/>
+            <a:endParaRPr lang="en-US" dirty="0">
+              <a:solidFill>
+                <a:srgbClr val="FF0000"/>
+              </a:solidFill>
+            </a:endParaRPr>
           </a:p>
         </p:txBody>
       </p:sp>
@@ -4497,6 +4517,9 @@
             </a:pPr>
             <a:r>
               <a:rPr lang="en-US" dirty="0">
+                <a:solidFill>
+                  <a:srgbClr val="FF0000"/>
+                </a:solidFill>
                 <a:latin typeface="Arial" panose="020B0604020202020204" pitchFamily="34" charset="0"/>
                 <a:cs typeface="Arial" panose="020B0604020202020204" pitchFamily="34" charset="0"/>
               </a:rPr>
@@ -4710,12 +4733,19 @@
             </a:pPr>
             <a:r>
               <a:rPr lang="en-US" dirty="0">
+                <a:solidFill>
+                  <a:srgbClr val="FF0000"/>
+                </a:solidFill>
                 <a:latin typeface="Arial" panose="020B0604020202020204" pitchFamily="34" charset="0"/>
                 <a:cs typeface="Arial" panose="020B0604020202020204" pitchFamily="34" charset="0"/>
               </a:rPr>
               <a:t>KẾT QUẢ NGHIÊN CỨU</a:t>
             </a:r>
-            <a:endParaRPr lang="en-US" dirty="0"/>
+            <a:endParaRPr lang="en-US" dirty="0">
+              <a:solidFill>
+                <a:srgbClr val="FF0000"/>
+              </a:solidFill>
+            </a:endParaRPr>
           </a:p>
         </p:txBody>
       </p:sp>
@@ -4889,12 +4919,19 @@
             </a:pPr>
             <a:r>
               <a:rPr lang="en-US" dirty="0">
+                <a:solidFill>
+                  <a:srgbClr val="FF0000"/>
+                </a:solidFill>
                 <a:latin typeface="Arial" panose="020B0604020202020204" pitchFamily="34" charset="0"/>
                 <a:cs typeface="Arial" panose="020B0604020202020204" pitchFamily="34" charset="0"/>
               </a:rPr>
               <a:t>KẾT QUẢ NGHIÊN CỨU</a:t>
             </a:r>
-            <a:endParaRPr lang="en-US" dirty="0"/>
+            <a:endParaRPr lang="en-US" dirty="0">
+              <a:solidFill>
+                <a:srgbClr val="FF0000"/>
+              </a:solidFill>
+            </a:endParaRPr>
           </a:p>
         </p:txBody>
       </p:sp>
@@ -5059,12 +5096,19 @@
             </a:pPr>
             <a:r>
               <a:rPr lang="en-US" dirty="0">
+                <a:solidFill>
+                  <a:srgbClr val="FF0000"/>
+                </a:solidFill>
                 <a:latin typeface="Arial" panose="020B0604020202020204" pitchFamily="34" charset="0"/>
                 <a:cs typeface="Arial" panose="020B0604020202020204" pitchFamily="34" charset="0"/>
               </a:rPr>
               <a:t>KẾT QUẢ NGHIÊN CỨU</a:t>
             </a:r>
-            <a:endParaRPr lang="en-US" dirty="0"/>
+            <a:endParaRPr lang="en-US" dirty="0">
+              <a:solidFill>
+                <a:srgbClr val="FF0000"/>
+              </a:solidFill>
+            </a:endParaRPr>
           </a:p>
         </p:txBody>
       </p:sp>
@@ -5210,12 +5254,19 @@
             </a:pPr>
             <a:r>
               <a:rPr lang="en-US" dirty="0">
+                <a:solidFill>
+                  <a:srgbClr val="FF0000"/>
+                </a:solidFill>
                 <a:latin typeface="Arial" panose="020B0604020202020204" pitchFamily="34" charset="0"/>
                 <a:cs typeface="Arial" panose="020B0604020202020204" pitchFamily="34" charset="0"/>
               </a:rPr>
               <a:t>KẾT QUẢ NGHIÊN CỨU</a:t>
             </a:r>
-            <a:endParaRPr lang="en-US" dirty="0"/>
+            <a:endParaRPr lang="en-US" dirty="0">
+              <a:solidFill>
+                <a:srgbClr val="FF0000"/>
+              </a:solidFill>
+            </a:endParaRPr>
           </a:p>
         </p:txBody>
       </p:sp>
@@ -5352,12 +5403,19 @@
             </a:pPr>
             <a:r>
               <a:rPr lang="en-US" dirty="0">
+                <a:solidFill>
+                  <a:srgbClr val="FF0000"/>
+                </a:solidFill>
                 <a:latin typeface="Arial" panose="020B0604020202020204" pitchFamily="34" charset="0"/>
                 <a:cs typeface="Arial" panose="020B0604020202020204" pitchFamily="34" charset="0"/>
               </a:rPr>
               <a:t>KẾT QUẢ NGHIÊN CỨU</a:t>
             </a:r>
-            <a:endParaRPr lang="en-US" dirty="0"/>
+            <a:endParaRPr lang="en-US" dirty="0">
+              <a:solidFill>
+                <a:srgbClr val="FF0000"/>
+              </a:solidFill>
+            </a:endParaRPr>
           </a:p>
         </p:txBody>
       </p:sp>
@@ -5498,12 +5556,19 @@
             </a:pPr>
             <a:r>
               <a:rPr lang="en-US" dirty="0">
+                <a:solidFill>
+                  <a:srgbClr val="FF0000"/>
+                </a:solidFill>
                 <a:latin typeface="Arial" panose="020B0604020202020204" pitchFamily="34" charset="0"/>
                 <a:cs typeface="Arial" panose="020B0604020202020204" pitchFamily="34" charset="0"/>
               </a:rPr>
               <a:t>KẾT QUẢ NGHIÊN CỨU</a:t>
             </a:r>
-            <a:endParaRPr lang="en-US" dirty="0"/>
+            <a:endParaRPr lang="en-US" dirty="0">
+              <a:solidFill>
+                <a:srgbClr val="FF0000"/>
+              </a:solidFill>
+            </a:endParaRPr>
           </a:p>
         </p:txBody>
       </p:sp>
@@ -5653,12 +5718,19 @@
             </a:pPr>
             <a:r>
               <a:rPr lang="en-US" dirty="0">
+                <a:solidFill>
+                  <a:srgbClr val="FF0000"/>
+                </a:solidFill>
                 <a:latin typeface="Arial" panose="020B0604020202020204" pitchFamily="34" charset="0"/>
                 <a:cs typeface="Arial" panose="020B0604020202020204" pitchFamily="34" charset="0"/>
               </a:rPr>
               <a:t>KẾT QUẢ NGHIÊN CỨU</a:t>
             </a:r>
-            <a:endParaRPr lang="en-US" dirty="0"/>
+            <a:endParaRPr lang="en-US" dirty="0">
+              <a:solidFill>
+                <a:srgbClr val="FF0000"/>
+              </a:solidFill>
+            </a:endParaRPr>
           </a:p>
         </p:txBody>
       </p:sp>
@@ -5801,6 +5873,9 @@
           <a:p>
             <a:r>
               <a:rPr lang="en-US" dirty="0">
+                <a:solidFill>
+                  <a:srgbClr val="FF0000"/>
+                </a:solidFill>
                 <a:latin typeface="Arial" panose="020B0604020202020204" pitchFamily="34" charset="0"/>
                 <a:cs typeface="Arial" panose="020B0604020202020204" pitchFamily="34" charset="0"/>
               </a:rPr>
@@ -6180,12 +6255,18 @@
             </a:pPr>
             <a:r>
               <a:rPr lang="vi-VN" dirty="0">
+                <a:solidFill>
+                  <a:srgbClr val="FF0000"/>
+                </a:solidFill>
                 <a:latin typeface="Arial" panose="020B0604020202020204" pitchFamily="34" charset="0"/>
                 <a:cs typeface="Arial" panose="020B0604020202020204" pitchFamily="34" charset="0"/>
               </a:rPr>
               <a:t>KẾT LUẬN VÀ HƯỚNG PHÁT TRIỂN</a:t>
             </a:r>
             <a:endParaRPr lang="en-US" dirty="0">
+              <a:solidFill>
+                <a:srgbClr val="FF0000"/>
+              </a:solidFill>
               <a:latin typeface="Arial" panose="020B0604020202020204" pitchFamily="34" charset="0"/>
               <a:cs typeface="Arial" panose="020B0604020202020204" pitchFamily="34" charset="0"/>
             </a:endParaRPr>
@@ -6285,7 +6366,12 @@
             <p:ph type="title"/>
           </p:nvPr>
         </p:nvSpPr>
-        <p:spPr/>
+        <p:spPr>
+          <a:xfrm>
+            <a:off x="770467" y="382058"/>
+            <a:ext cx="10515600" cy="1325563"/>
+          </a:xfrm>
+        </p:spPr>
         <p:txBody>
           <a:bodyPr/>
           <a:lstStyle/>
@@ -6296,12 +6382,19 @@
             </a:pPr>
             <a:r>
               <a:rPr lang="vi-VN" dirty="0">
+                <a:solidFill>
+                  <a:srgbClr val="FF0000"/>
+                </a:solidFill>
                 <a:latin typeface="Arial" panose="020B0604020202020204" pitchFamily="34" charset="0"/>
                 <a:cs typeface="Arial" panose="020B0604020202020204" pitchFamily="34" charset="0"/>
               </a:rPr>
               <a:t>KẾT LUẬN VÀ HƯỚNG PHÁT TRIỂN</a:t>
             </a:r>
-            <a:endParaRPr lang="en-US" dirty="0"/>
+            <a:endParaRPr lang="en-US" dirty="0">
+              <a:solidFill>
+                <a:srgbClr val="FF0000"/>
+              </a:solidFill>
+            </a:endParaRPr>
           </a:p>
         </p:txBody>
       </p:sp>
@@ -6421,27 +6514,27 @@
         </p:nvSpPr>
         <p:spPr>
           <a:xfrm>
-            <a:off x="838200" y="1253331"/>
+            <a:off x="838200" y="1591998"/>
             <a:ext cx="10515600" cy="4351338"/>
           </a:xfrm>
         </p:spPr>
         <p:txBody>
-          <a:bodyPr/>
+          <a:bodyPr>
+            <a:normAutofit/>
+          </a:bodyPr>
           <a:lstStyle/>
           <a:p>
             <a:pPr marL="0" indent="0" algn="ctr">
               <a:buNone/>
             </a:pPr>
             <a:r>
-              <a:rPr lang="en-US" sz="6000" dirty="0"/>
-              <a:t>XIN CHÂN THÀNH CẢM ƠN QUÝ THẦY, CÔ ĐÃ CHÚ Ý LẮNG NGHE </a:t>
-            </a:r>
-          </a:p>
-          <a:p>
-            <a:pPr marL="0" indent="0">
-              <a:buNone/>
-            </a:pPr>
-            <a:endParaRPr lang="en-US" dirty="0"/>
+              <a:rPr lang="vi-VN" sz="4800" dirty="0"/>
+              <a:t>Xin chân thành cảm ơn quý thầy cô và các bạn đã lắng nghe!</a:t>
+            </a:r>
+            <a:endParaRPr lang="en-US" sz="4800" dirty="0">
+              <a:latin typeface="Arial" panose="020B0604020202020204" pitchFamily="34" charset="0"/>
+              <a:cs typeface="Arial" panose="020B0604020202020204" pitchFamily="34" charset="0"/>
+            </a:endParaRPr>
           </a:p>
         </p:txBody>
       </p:sp>
@@ -6502,11 +6595,17 @@
             </a:pPr>
             <a:r>
               <a:rPr lang="vi-VN" dirty="0">
+                <a:solidFill>
+                  <a:srgbClr val="FF0000"/>
+                </a:solidFill>
                 <a:latin typeface="+mn-lt"/>
               </a:rPr>
               <a:t>TỔNG QUAN VỀ ĐỀ TÀI</a:t>
             </a:r>
             <a:endParaRPr lang="en-US" dirty="0">
+              <a:solidFill>
+                <a:srgbClr val="FF0000"/>
+              </a:solidFill>
               <a:latin typeface="+mn-lt"/>
             </a:endParaRPr>
           </a:p>
@@ -6624,11 +6723,17 @@
             </a:pPr>
             <a:r>
               <a:rPr lang="vi-VN" dirty="0">
+                <a:solidFill>
+                  <a:srgbClr val="FF0000"/>
+                </a:solidFill>
                 <a:latin typeface="+mn-lt"/>
               </a:rPr>
               <a:t>TỔNG QUAN VỀ ĐỀ TÀI</a:t>
             </a:r>
             <a:endParaRPr lang="en-US" dirty="0">
+              <a:solidFill>
+                <a:srgbClr val="FF0000"/>
+              </a:solidFill>
               <a:latin typeface="+mn-lt"/>
             </a:endParaRPr>
           </a:p>
@@ -6771,6 +6876,9 @@
             </a:pPr>
             <a:r>
               <a:rPr lang="en-US" dirty="0">
+                <a:solidFill>
+                  <a:srgbClr val="FF0000"/>
+                </a:solidFill>
                 <a:latin typeface="Arial" panose="020B0604020202020204" pitchFamily="34" charset="0"/>
                 <a:cs typeface="Arial" panose="020B0604020202020204" pitchFamily="34" charset="0"/>
               </a:rPr>
@@ -6997,6 +7105,9 @@
             </a:pPr>
             <a:r>
               <a:rPr lang="vi-VN" dirty="0">
+                <a:solidFill>
+                  <a:srgbClr val="FF0000"/>
+                </a:solidFill>
                 <a:latin typeface="Arial" panose="020B0604020202020204" pitchFamily="34" charset="0"/>
                 <a:cs typeface="Arial" panose="020B0604020202020204" pitchFamily="34" charset="0"/>
               </a:rPr>
@@ -7004,6 +7115,9 @@
             </a:r>
             <a:r>
               <a:rPr lang="en-US" dirty="0">
+                <a:solidFill>
+                  <a:srgbClr val="FF0000"/>
+                </a:solidFill>
                 <a:latin typeface="Arial" panose="020B0604020202020204" pitchFamily="34" charset="0"/>
                 <a:cs typeface="Arial" panose="020B0604020202020204" pitchFamily="34" charset="0"/>
               </a:rPr>
@@ -7011,6 +7125,9 @@
             </a:r>
             <a:r>
               <a:rPr lang="vi-VN" dirty="0">
+                <a:solidFill>
+                  <a:srgbClr val="FF0000"/>
+                </a:solidFill>
                 <a:latin typeface="Arial" panose="020B0604020202020204" pitchFamily="34" charset="0"/>
                 <a:cs typeface="Arial" panose="020B0604020202020204" pitchFamily="34" charset="0"/>
               </a:rPr>
@@ -7018,6 +7135,9 @@
             </a:r>
             <a:r>
               <a:rPr lang="en-US" dirty="0">
+                <a:solidFill>
+                  <a:srgbClr val="FF0000"/>
+                </a:solidFill>
                 <a:latin typeface="Arial" panose="020B0604020202020204" pitchFamily="34" charset="0"/>
                 <a:cs typeface="Arial" panose="020B0604020202020204" pitchFamily="34" charset="0"/>
               </a:rPr>
@@ -7025,6 +7145,9 @@
             </a:r>
             <a:r>
               <a:rPr lang="vi-VN" dirty="0">
+                <a:solidFill>
+                  <a:srgbClr val="FF0000"/>
+                </a:solidFill>
                 <a:latin typeface="Arial" panose="020B0604020202020204" pitchFamily="34" charset="0"/>
                 <a:cs typeface="Arial" panose="020B0604020202020204" pitchFamily="34" charset="0"/>
               </a:rPr>
@@ -7032,6 +7155,9 @@
             </a:r>
             <a:r>
               <a:rPr lang="en-US" dirty="0">
+                <a:solidFill>
+                  <a:srgbClr val="FF0000"/>
+                </a:solidFill>
                 <a:latin typeface="Arial" panose="020B0604020202020204" pitchFamily="34" charset="0"/>
                 <a:cs typeface="Arial" panose="020B0604020202020204" pitchFamily="34" charset="0"/>
               </a:rPr>
@@ -7039,12 +7165,19 @@
             </a:r>
             <a:r>
               <a:rPr lang="vi-VN" dirty="0">
+                <a:solidFill>
+                  <a:srgbClr val="FF0000"/>
+                </a:solidFill>
                 <a:latin typeface="Arial" panose="020B0604020202020204" pitchFamily="34" charset="0"/>
                 <a:cs typeface="Arial" panose="020B0604020202020204" pitchFamily="34" charset="0"/>
               </a:rPr>
               <a:t>THUYẾT</a:t>
             </a:r>
-            <a:endParaRPr lang="en-US" dirty="0"/>
+            <a:endParaRPr lang="en-US" dirty="0">
+              <a:solidFill>
+                <a:srgbClr val="FF0000"/>
+              </a:solidFill>
+            </a:endParaRPr>
           </a:p>
         </p:txBody>
       </p:sp>
@@ -7064,7 +7197,12 @@
             <p:ph idx="1"/>
           </p:nvPr>
         </p:nvSpPr>
-        <p:spPr/>
+        <p:spPr>
+          <a:xfrm>
+            <a:off x="838200" y="1563158"/>
+            <a:ext cx="10515600" cy="4351338"/>
+          </a:xfrm>
+        </p:spPr>
         <p:txBody>
           <a:bodyPr>
             <a:normAutofit/>
@@ -7472,6 +7610,9 @@
             </a:pPr>
             <a:r>
               <a:rPr lang="vi-VN" dirty="0">
+                <a:solidFill>
+                  <a:srgbClr val="FF0000"/>
+                </a:solidFill>
                 <a:latin typeface="Arial" panose="020B0604020202020204" pitchFamily="34" charset="0"/>
                 <a:cs typeface="Arial" panose="020B0604020202020204" pitchFamily="34" charset="0"/>
               </a:rPr>
@@ -7479,6 +7620,9 @@
             </a:r>
             <a:r>
               <a:rPr lang="en-US" dirty="0">
+                <a:solidFill>
+                  <a:srgbClr val="FF0000"/>
+                </a:solidFill>
                 <a:latin typeface="Arial" panose="020B0604020202020204" pitchFamily="34" charset="0"/>
                 <a:cs typeface="Arial" panose="020B0604020202020204" pitchFamily="34" charset="0"/>
               </a:rPr>
@@ -7486,6 +7630,9 @@
             </a:r>
             <a:r>
               <a:rPr lang="vi-VN" dirty="0">
+                <a:solidFill>
+                  <a:srgbClr val="FF0000"/>
+                </a:solidFill>
                 <a:latin typeface="Arial" panose="020B0604020202020204" pitchFamily="34" charset="0"/>
                 <a:cs typeface="Arial" panose="020B0604020202020204" pitchFamily="34" charset="0"/>
               </a:rPr>
@@ -7493,6 +7640,9 @@
             </a:r>
             <a:r>
               <a:rPr lang="en-US" dirty="0">
+                <a:solidFill>
+                  <a:srgbClr val="FF0000"/>
+                </a:solidFill>
                 <a:latin typeface="Arial" panose="020B0604020202020204" pitchFamily="34" charset="0"/>
                 <a:cs typeface="Arial" panose="020B0604020202020204" pitchFamily="34" charset="0"/>
               </a:rPr>
@@ -7500,6 +7650,9 @@
             </a:r>
             <a:r>
               <a:rPr lang="vi-VN" dirty="0">
+                <a:solidFill>
+                  <a:srgbClr val="FF0000"/>
+                </a:solidFill>
                 <a:latin typeface="Arial" panose="020B0604020202020204" pitchFamily="34" charset="0"/>
                 <a:cs typeface="Arial" panose="020B0604020202020204" pitchFamily="34" charset="0"/>
               </a:rPr>
@@ -7507,6 +7660,9 @@
             </a:r>
             <a:r>
               <a:rPr lang="en-US" dirty="0">
+                <a:solidFill>
+                  <a:srgbClr val="FF0000"/>
+                </a:solidFill>
                 <a:latin typeface="Arial" panose="020B0604020202020204" pitchFamily="34" charset="0"/>
                 <a:cs typeface="Arial" panose="020B0604020202020204" pitchFamily="34" charset="0"/>
               </a:rPr>
@@ -7514,12 +7670,19 @@
             </a:r>
             <a:r>
               <a:rPr lang="vi-VN" dirty="0">
+                <a:solidFill>
+                  <a:srgbClr val="FF0000"/>
+                </a:solidFill>
                 <a:latin typeface="Arial" panose="020B0604020202020204" pitchFamily="34" charset="0"/>
                 <a:cs typeface="Arial" panose="020B0604020202020204" pitchFamily="34" charset="0"/>
               </a:rPr>
               <a:t>THUYẾT</a:t>
             </a:r>
-            <a:endParaRPr lang="en-US" dirty="0"/>
+            <a:endParaRPr lang="en-US" dirty="0">
+              <a:solidFill>
+                <a:srgbClr val="FF0000"/>
+              </a:solidFill>
+            </a:endParaRPr>
           </a:p>
         </p:txBody>
       </p:sp>
@@ -7641,6 +7804,9 @@
             </a:pPr>
             <a:r>
               <a:rPr lang="vi-VN" dirty="0">
+                <a:solidFill>
+                  <a:srgbClr val="FF0000"/>
+                </a:solidFill>
                 <a:latin typeface="Arial" panose="020B0604020202020204" pitchFamily="34" charset="0"/>
                 <a:cs typeface="Arial" panose="020B0604020202020204" pitchFamily="34" charset="0"/>
               </a:rPr>
@@ -7648,6 +7814,9 @@
             </a:r>
             <a:r>
               <a:rPr lang="en-US" dirty="0">
+                <a:solidFill>
+                  <a:srgbClr val="FF0000"/>
+                </a:solidFill>
                 <a:latin typeface="Arial" panose="020B0604020202020204" pitchFamily="34" charset="0"/>
                 <a:cs typeface="Arial" panose="020B0604020202020204" pitchFamily="34" charset="0"/>
               </a:rPr>
@@ -7655,6 +7824,9 @@
             </a:r>
             <a:r>
               <a:rPr lang="vi-VN" dirty="0">
+                <a:solidFill>
+                  <a:srgbClr val="FF0000"/>
+                </a:solidFill>
                 <a:latin typeface="Arial" panose="020B0604020202020204" pitchFamily="34" charset="0"/>
                 <a:cs typeface="Arial" panose="020B0604020202020204" pitchFamily="34" charset="0"/>
               </a:rPr>
@@ -7662,6 +7834,9 @@
             </a:r>
             <a:r>
               <a:rPr lang="en-US" dirty="0">
+                <a:solidFill>
+                  <a:srgbClr val="FF0000"/>
+                </a:solidFill>
                 <a:latin typeface="Arial" panose="020B0604020202020204" pitchFamily="34" charset="0"/>
                 <a:cs typeface="Arial" panose="020B0604020202020204" pitchFamily="34" charset="0"/>
               </a:rPr>
@@ -7669,6 +7844,9 @@
             </a:r>
             <a:r>
               <a:rPr lang="vi-VN" dirty="0">
+                <a:solidFill>
+                  <a:srgbClr val="FF0000"/>
+                </a:solidFill>
                 <a:latin typeface="Arial" panose="020B0604020202020204" pitchFamily="34" charset="0"/>
                 <a:cs typeface="Arial" panose="020B0604020202020204" pitchFamily="34" charset="0"/>
               </a:rPr>
@@ -7676,6 +7854,9 @@
             </a:r>
             <a:r>
               <a:rPr lang="en-US" dirty="0">
+                <a:solidFill>
+                  <a:srgbClr val="FF0000"/>
+                </a:solidFill>
                 <a:latin typeface="Arial" panose="020B0604020202020204" pitchFamily="34" charset="0"/>
                 <a:cs typeface="Arial" panose="020B0604020202020204" pitchFamily="34" charset="0"/>
               </a:rPr>
@@ -7683,12 +7864,19 @@
             </a:r>
             <a:r>
               <a:rPr lang="vi-VN" dirty="0">
+                <a:solidFill>
+                  <a:srgbClr val="FF0000"/>
+                </a:solidFill>
                 <a:latin typeface="Arial" panose="020B0604020202020204" pitchFamily="34" charset="0"/>
                 <a:cs typeface="Arial" panose="020B0604020202020204" pitchFamily="34" charset="0"/>
               </a:rPr>
               <a:t>THUYẾT</a:t>
             </a:r>
-            <a:endParaRPr lang="en-US" dirty="0"/>
+            <a:endParaRPr lang="en-US" dirty="0">
+              <a:solidFill>
+                <a:srgbClr val="FF0000"/>
+              </a:solidFill>
+            </a:endParaRPr>
           </a:p>
         </p:txBody>
       </p:sp>
@@ -7849,12 +8037,18 @@
             </a:pPr>
             <a:r>
               <a:rPr lang="vi-VN" dirty="0">
+                <a:solidFill>
+                  <a:srgbClr val="FF0000"/>
+                </a:solidFill>
                 <a:latin typeface="Arial" panose="020B0604020202020204" pitchFamily="34" charset="0"/>
                 <a:cs typeface="Arial" panose="020B0604020202020204" pitchFamily="34" charset="0"/>
               </a:rPr>
               <a:t>HIỆN THỰC HÓA NGHIÊN CỨU</a:t>
             </a:r>
             <a:endParaRPr lang="en-US" dirty="0">
+              <a:solidFill>
+                <a:srgbClr val="FF0000"/>
+              </a:solidFill>
               <a:latin typeface="Arial" panose="020B0604020202020204" pitchFamily="34" charset="0"/>
               <a:cs typeface="Arial" panose="020B0604020202020204" pitchFamily="34" charset="0"/>
             </a:endParaRPr>
